--- a/웹서비스 발표 자료.pptx
+++ b/웹서비스 발표 자료.pptx
@@ -1,6 +1,6 @@
 
 <file path=ppt/presentation.xml><?xml version="1.0" encoding="utf-8"?>
-<p:presentation xmlns:a="http://schemas.openxmlformats.org/drawingml/2006/main" xmlns:r="http://schemas.openxmlformats.org/officeDocument/2006/relationships" xmlns:p="http://schemas.openxmlformats.org/presentationml/2006/main" saveSubsetFonts="1">
+<p:presentation xmlns:a="http://schemas.openxmlformats.org/drawingml/2006/main" xmlns:r="http://schemas.openxmlformats.org/officeDocument/2006/relationships" xmlns:p="http://schemas.openxmlformats.org/presentationml/2006/main" embedTrueTypeFonts="1" saveSubsetFonts="1">
   <p:sldMasterIdLst>
     <p:sldMasterId id="2147483648" r:id="rId1"/>
   </p:sldMasterIdLst>
@@ -23,12 +23,23 @@
     <p:sldId id="284" r:id="rId17"/>
     <p:sldId id="262" r:id="rId18"/>
     <p:sldId id="290" r:id="rId19"/>
-    <p:sldId id="289" r:id="rId20"/>
-    <p:sldId id="283" r:id="rId21"/>
-    <p:sldId id="263" r:id="rId22"/>
+    <p:sldId id="294" r:id="rId20"/>
+    <p:sldId id="289" r:id="rId21"/>
+    <p:sldId id="292" r:id="rId22"/>
+    <p:sldId id="293" r:id="rId23"/>
+    <p:sldId id="291" r:id="rId24"/>
+    <p:sldId id="283" r:id="rId25"/>
+    <p:sldId id="263" r:id="rId26"/>
   </p:sldIdLst>
   <p:sldSz cx="9144000" cy="6858000" type="screen4x3"/>
   <p:notesSz cx="6858000" cy="9144000"/>
+  <p:embeddedFontLst>
+    <p:embeddedFont>
+      <p:font typeface="맑은 고딕" pitchFamily="50" charset="-127"/>
+      <p:regular r:id="rId27"/>
+      <p:bold r:id="rId28"/>
+    </p:embeddedFont>
+  </p:embeddedFontLst>
   <p:defaultTextStyle>
     <a:defPPr>
       <a:defRPr lang="ko-KR"/>
@@ -3531,16 +3542,6 @@
               </a:rPr>
               <a:t>02</a:t>
             </a:r>
-            <a:endParaRPr lang="en-US" altLang="ko-KR" dirty="0" smtClean="0">
-              <a:solidFill>
-                <a:schemeClr val="accent5">
-                  <a:lumMod val="60000"/>
-                  <a:lumOff val="40000"/>
-                </a:schemeClr>
-              </a:solidFill>
-              <a:latin typeface="Noto Sans CJK SC Bold" pitchFamily="34" charset="-127"/>
-              <a:ea typeface="Noto Sans CJK SC Bold" pitchFamily="34" charset="-127"/>
-            </a:endParaRPr>
           </a:p>
           <a:p>
             <a:r>
@@ -3594,16 +3595,6 @@
               </a:rPr>
               <a:t>조</a:t>
             </a:r>
-            <a:endParaRPr lang="ko-KR" altLang="en-US" sz="2400" dirty="0">
-              <a:solidFill>
-                <a:schemeClr val="accent5">
-                  <a:lumMod val="60000"/>
-                  <a:lumOff val="40000"/>
-                </a:schemeClr>
-              </a:solidFill>
-              <a:latin typeface="Noto Sans CJK SC Bold" pitchFamily="34" charset="-127"/>
-              <a:ea typeface="Noto Sans CJK SC Bold" pitchFamily="34" charset="-127"/>
-            </a:endParaRPr>
           </a:p>
         </p:txBody>
       </p:sp>
@@ -3638,17 +3629,7 @@
                 <a:latin typeface="Noto Sans CJK SC Thin" pitchFamily="34" charset="-127"/>
                 <a:ea typeface="Noto Sans CJK SC Thin" pitchFamily="34" charset="-127"/>
               </a:rPr>
-              <a:t>시스템</a:t>
-            </a:r>
-            <a:r>
-              <a:rPr lang="ko-KR" altLang="en-US" sz="2400" b="1" dirty="0" smtClean="0">
-                <a:solidFill>
-                  <a:srgbClr val="00B0F0"/>
-                </a:solidFill>
-                <a:latin typeface="Noto Sans CJK SC Thin" pitchFamily="34" charset="-127"/>
-                <a:ea typeface="Noto Sans CJK SC Thin" pitchFamily="34" charset="-127"/>
-              </a:rPr>
-              <a:t> 구조</a:t>
+              <a:t>시스템 구조</a:t>
             </a:r>
             <a:endParaRPr lang="en-US" altLang="ko-KR" sz="2400" b="1" dirty="0" smtClean="0">
               <a:solidFill>
@@ -3864,8 +3845,8 @@
         </p:nvSpPr>
         <p:spPr>
           <a:xfrm>
-            <a:off x="3843564" y="1808379"/>
-            <a:ext cx="1040670" cy="369332"/>
+            <a:off x="3707903" y="1808379"/>
+            <a:ext cx="1189749" cy="369332"/>
           </a:xfrm>
           <a:prstGeom prst="rect">
             <a:avLst/>
@@ -3878,12 +3859,12 @@
           <a:lstStyle/>
           <a:p>
             <a:r>
-              <a:rPr lang="ko-KR" altLang="en-US" dirty="0">
+              <a:rPr lang="ko-KR" altLang="en-US" dirty="0" smtClean="0">
                 <a:solidFill>
                   <a:srgbClr val="00B0F0"/>
                 </a:solidFill>
               </a:rPr>
-              <a:t>입력 값 </a:t>
+              <a:t>요청 변수</a:t>
             </a:r>
             <a:endParaRPr lang="ko-KR" altLang="en-US" dirty="0"/>
           </a:p>
@@ -4249,13 +4230,6 @@
               </a:rPr>
               <a:t>행사 장소</a:t>
             </a:r>
-            <a:endParaRPr lang="ko-KR" altLang="en-US" sz="1600" dirty="0">
-              <a:solidFill>
-                <a:schemeClr val="accent5">
-                  <a:lumMod val="75000"/>
-                </a:schemeClr>
-              </a:solidFill>
-            </a:endParaRPr>
           </a:p>
         </p:txBody>
       </p:sp>
@@ -4361,16 +4335,6 @@
               </a:rPr>
               <a:t>02</a:t>
             </a:r>
-            <a:endParaRPr lang="en-US" altLang="ko-KR" dirty="0" smtClean="0">
-              <a:solidFill>
-                <a:schemeClr val="accent5">
-                  <a:lumMod val="60000"/>
-                  <a:lumOff val="40000"/>
-                </a:schemeClr>
-              </a:solidFill>
-              <a:latin typeface="Noto Sans CJK SC Bold" pitchFamily="34" charset="-127"/>
-              <a:ea typeface="Noto Sans CJK SC Bold" pitchFamily="34" charset="-127"/>
-            </a:endParaRPr>
           </a:p>
           <a:p>
             <a:r>
@@ -4424,16 +4388,6 @@
               </a:rPr>
               <a:t>조</a:t>
             </a:r>
-            <a:endParaRPr lang="ko-KR" altLang="en-US" sz="2400" dirty="0">
-              <a:solidFill>
-                <a:schemeClr val="accent5">
-                  <a:lumMod val="60000"/>
-                  <a:lumOff val="40000"/>
-                </a:schemeClr>
-              </a:solidFill>
-              <a:latin typeface="Noto Sans CJK SC Bold" pitchFamily="34" charset="-127"/>
-              <a:ea typeface="Noto Sans CJK SC Bold" pitchFamily="34" charset="-127"/>
-            </a:endParaRPr>
           </a:p>
         </p:txBody>
       </p:sp>
@@ -4468,17 +4422,7 @@
                 <a:latin typeface="Noto Sans CJK SC Thin" pitchFamily="34" charset="-127"/>
                 <a:ea typeface="Noto Sans CJK SC Thin" pitchFamily="34" charset="-127"/>
               </a:rPr>
-              <a:t>시스템</a:t>
-            </a:r>
-            <a:r>
-              <a:rPr lang="ko-KR" altLang="en-US" sz="2400" b="1" dirty="0" smtClean="0">
-                <a:solidFill>
-                  <a:srgbClr val="00B0F0"/>
-                </a:solidFill>
-                <a:latin typeface="Noto Sans CJK SC Thin" pitchFamily="34" charset="-127"/>
-                <a:ea typeface="Noto Sans CJK SC Thin" pitchFamily="34" charset="-127"/>
-              </a:rPr>
-              <a:t> 구조</a:t>
+              <a:t>시스템 구조</a:t>
             </a:r>
             <a:endParaRPr lang="en-US" altLang="ko-KR" sz="2400" b="1" dirty="0" smtClean="0">
               <a:solidFill>
@@ -4676,46 +4620,6 @@
               </a:rPr>
               <a:t>도서관명 </a:t>
             </a:r>
-            <a:endParaRPr lang="ko-KR" altLang="en-US" sz="1400" dirty="0">
-              <a:solidFill>
-                <a:schemeClr val="accent5">
-                  <a:lumMod val="75000"/>
-                </a:schemeClr>
-              </a:solidFill>
-            </a:endParaRPr>
-          </a:p>
-        </p:txBody>
-      </p:sp>
-      <p:sp>
-        <p:nvSpPr>
-          <p:cNvPr id="10" name="직사각형 9"/>
-          <p:cNvSpPr/>
-          <p:nvPr/>
-        </p:nvSpPr>
-        <p:spPr>
-          <a:xfrm>
-            <a:off x="3843564" y="1808379"/>
-            <a:ext cx="1040670" cy="369332"/>
-          </a:xfrm>
-          <a:prstGeom prst="rect">
-            <a:avLst/>
-          </a:prstGeom>
-        </p:spPr>
-        <p:txBody>
-          <a:bodyPr wrap="none">
-            <a:spAutoFit/>
-          </a:bodyPr>
-          <a:lstStyle/>
-          <a:p>
-            <a:r>
-              <a:rPr lang="ko-KR" altLang="en-US" dirty="0">
-                <a:solidFill>
-                  <a:srgbClr val="00B0F0"/>
-                </a:solidFill>
-              </a:rPr>
-              <a:t>입력 값 </a:t>
-            </a:r>
-            <a:endParaRPr lang="ko-KR" altLang="en-US" dirty="0"/>
           </a:p>
         </p:txBody>
       </p:sp>
@@ -5079,13 +4983,39 @@
               </a:rPr>
               <a:t>강좌 장소</a:t>
             </a:r>
-            <a:endParaRPr lang="ko-KR" altLang="en-US" sz="1600" dirty="0">
-              <a:solidFill>
-                <a:schemeClr val="accent5">
-                  <a:lumMod val="75000"/>
-                </a:schemeClr>
-              </a:solidFill>
-            </a:endParaRPr>
+          </a:p>
+        </p:txBody>
+      </p:sp>
+      <p:sp>
+        <p:nvSpPr>
+          <p:cNvPr id="12" name="직사각형 11"/>
+          <p:cNvSpPr/>
+          <p:nvPr/>
+        </p:nvSpPr>
+        <p:spPr>
+          <a:xfrm>
+            <a:off x="3707903" y="1808379"/>
+            <a:ext cx="1189749" cy="369332"/>
+          </a:xfrm>
+          <a:prstGeom prst="rect">
+            <a:avLst/>
+          </a:prstGeom>
+        </p:spPr>
+        <p:txBody>
+          <a:bodyPr wrap="none">
+            <a:spAutoFit/>
+          </a:bodyPr>
+          <a:lstStyle/>
+          <a:p>
+            <a:r>
+              <a:rPr lang="ko-KR" altLang="en-US" dirty="0" smtClean="0">
+                <a:solidFill>
+                  <a:srgbClr val="00B0F0"/>
+                </a:solidFill>
+              </a:rPr>
+              <a:t>요청 변수</a:t>
+            </a:r>
+            <a:endParaRPr lang="ko-KR" altLang="en-US" dirty="0"/>
           </a:p>
         </p:txBody>
       </p:sp>
@@ -5191,16 +5121,6 @@
               </a:rPr>
               <a:t>02</a:t>
             </a:r>
-            <a:endParaRPr lang="en-US" altLang="ko-KR" dirty="0" smtClean="0">
-              <a:solidFill>
-                <a:schemeClr val="accent5">
-                  <a:lumMod val="60000"/>
-                  <a:lumOff val="40000"/>
-                </a:schemeClr>
-              </a:solidFill>
-              <a:latin typeface="Noto Sans CJK SC Bold" pitchFamily="34" charset="-127"/>
-              <a:ea typeface="Noto Sans CJK SC Bold" pitchFamily="34" charset="-127"/>
-            </a:endParaRPr>
           </a:p>
           <a:p>
             <a:r>
@@ -5254,16 +5174,6 @@
               </a:rPr>
               <a:t>조</a:t>
             </a:r>
-            <a:endParaRPr lang="ko-KR" altLang="en-US" sz="2400" dirty="0">
-              <a:solidFill>
-                <a:schemeClr val="accent5">
-                  <a:lumMod val="60000"/>
-                  <a:lumOff val="40000"/>
-                </a:schemeClr>
-              </a:solidFill>
-              <a:latin typeface="Noto Sans CJK SC Bold" pitchFamily="34" charset="-127"/>
-              <a:ea typeface="Noto Sans CJK SC Bold" pitchFamily="34" charset="-127"/>
-            </a:endParaRPr>
           </a:p>
         </p:txBody>
       </p:sp>
@@ -5298,17 +5208,7 @@
                 <a:latin typeface="Noto Sans CJK SC Thin" pitchFamily="34" charset="-127"/>
                 <a:ea typeface="Noto Sans CJK SC Thin" pitchFamily="34" charset="-127"/>
               </a:rPr>
-              <a:t>시스템</a:t>
-            </a:r>
-            <a:r>
-              <a:rPr lang="ko-KR" altLang="en-US" sz="2400" b="1" dirty="0" smtClean="0">
-                <a:solidFill>
-                  <a:srgbClr val="00B0F0"/>
-                </a:solidFill>
-                <a:latin typeface="Noto Sans CJK SC Thin" pitchFamily="34" charset="-127"/>
-                <a:ea typeface="Noto Sans CJK SC Thin" pitchFamily="34" charset="-127"/>
-              </a:rPr>
-              <a:t> 구조</a:t>
+              <a:t>시스템 구조</a:t>
             </a:r>
             <a:endParaRPr lang="en-US" altLang="ko-KR" sz="2400" b="1" dirty="0" smtClean="0">
               <a:solidFill>
@@ -5366,11 +5266,6 @@
               </a:rPr>
               <a:t>API</a:t>
             </a:r>
-            <a:endParaRPr lang="en-US" altLang="ko-KR" b="1" dirty="0">
-              <a:solidFill>
-                <a:srgbClr val="00B0F0"/>
-              </a:solidFill>
-            </a:endParaRPr>
           </a:p>
         </p:txBody>
       </p:sp>
@@ -5397,85 +5292,35 @@
           <a:p>
             <a:pPr fontAlgn="base"/>
             <a:r>
-              <a:rPr lang="en-US" altLang="ko-KR" sz="1400" b="1" dirty="0">
+              <a:rPr lang="en-US" altLang="ko-KR" sz="1400" dirty="0">
                 <a:solidFill>
                   <a:schemeClr val="accent5">
                     <a:lumMod val="75000"/>
                   </a:schemeClr>
                 </a:solidFill>
               </a:rPr>
-              <a:t>keyword</a:t>
-            </a:r>
-            <a:r>
-              <a:rPr lang="en-US" altLang="ko-KR" sz="1400" dirty="0">
+              <a:t>keyword – </a:t>
+            </a:r>
+            <a:r>
+              <a:rPr lang="ko-KR" altLang="en-US" sz="1400" dirty="0" err="1">
                 <a:solidFill>
                   <a:schemeClr val="accent5">
                     <a:lumMod val="75000"/>
                   </a:schemeClr>
                 </a:solidFill>
               </a:rPr>
-              <a:t> – </a:t>
-            </a:r>
-            <a:r>
-              <a:rPr lang="ko-KR" altLang="en-US" sz="1400" dirty="0" err="1">
+              <a:t>검색어</a:t>
+            </a:r>
+            <a:r>
+              <a:rPr lang="ko-KR" altLang="en-US" sz="1400" dirty="0">
                 <a:solidFill>
                   <a:schemeClr val="accent5">
                     <a:lumMod val="75000"/>
                   </a:schemeClr>
                 </a:solidFill>
               </a:rPr>
-              <a:t>검색어</a:t>
-            </a:r>
-            <a:r>
-              <a:rPr lang="ko-KR" altLang="en-US" sz="1400" dirty="0">
-                <a:solidFill>
-                  <a:schemeClr val="accent5">
-                    <a:lumMod val="75000"/>
-                  </a:schemeClr>
-                </a:solidFill>
-              </a:rPr>
               <a:t> </a:t>
             </a:r>
-            <a:endParaRPr lang="ko-KR" altLang="en-US" sz="1400" dirty="0">
-              <a:solidFill>
-                <a:schemeClr val="accent5">
-                  <a:lumMod val="75000"/>
-                </a:schemeClr>
-              </a:solidFill>
-            </a:endParaRPr>
-          </a:p>
-        </p:txBody>
-      </p:sp>
-      <p:sp>
-        <p:nvSpPr>
-          <p:cNvPr id="10" name="직사각형 9"/>
-          <p:cNvSpPr/>
-          <p:nvPr/>
-        </p:nvSpPr>
-        <p:spPr>
-          <a:xfrm>
-            <a:off x="3843564" y="1808379"/>
-            <a:ext cx="1040670" cy="369332"/>
-          </a:xfrm>
-          <a:prstGeom prst="rect">
-            <a:avLst/>
-          </a:prstGeom>
-        </p:spPr>
-        <p:txBody>
-          <a:bodyPr wrap="none">
-            <a:spAutoFit/>
-          </a:bodyPr>
-          <a:lstStyle/>
-          <a:p>
-            <a:r>
-              <a:rPr lang="ko-KR" altLang="en-US" dirty="0">
-                <a:solidFill>
-                  <a:srgbClr val="00B0F0"/>
-                </a:solidFill>
-              </a:rPr>
-              <a:t>입력 값 </a:t>
-            </a:r>
-            <a:endParaRPr lang="ko-KR" altLang="en-US" dirty="0"/>
           </a:p>
         </p:txBody>
       </p:sp>
@@ -5928,13 +5773,39 @@
               </a:rPr>
               <a:t>설명</a:t>
             </a:r>
-            <a:endParaRPr lang="ko-KR" altLang="en-US" sz="1600" dirty="0">
-              <a:solidFill>
-                <a:schemeClr val="accent5">
-                  <a:lumMod val="75000"/>
-                </a:schemeClr>
-              </a:solidFill>
-            </a:endParaRPr>
+          </a:p>
+        </p:txBody>
+      </p:sp>
+      <p:sp>
+        <p:nvSpPr>
+          <p:cNvPr id="12" name="직사각형 11"/>
+          <p:cNvSpPr/>
+          <p:nvPr/>
+        </p:nvSpPr>
+        <p:spPr>
+          <a:xfrm>
+            <a:off x="3707903" y="1808379"/>
+            <a:ext cx="1189749" cy="369332"/>
+          </a:xfrm>
+          <a:prstGeom prst="rect">
+            <a:avLst/>
+          </a:prstGeom>
+        </p:spPr>
+        <p:txBody>
+          <a:bodyPr wrap="none">
+            <a:spAutoFit/>
+          </a:bodyPr>
+          <a:lstStyle/>
+          <a:p>
+            <a:r>
+              <a:rPr lang="ko-KR" altLang="en-US" dirty="0" smtClean="0">
+                <a:solidFill>
+                  <a:srgbClr val="00B0F0"/>
+                </a:solidFill>
+              </a:rPr>
+              <a:t>요청 변수</a:t>
+            </a:r>
+            <a:endParaRPr lang="ko-KR" altLang="en-US" dirty="0"/>
           </a:p>
         </p:txBody>
       </p:sp>
@@ -6115,16 +5986,6 @@
               </a:rPr>
               <a:t>03</a:t>
             </a:r>
-            <a:endParaRPr lang="en-US" altLang="ko-KR" dirty="0" smtClean="0">
-              <a:solidFill>
-                <a:schemeClr val="accent5">
-                  <a:lumMod val="60000"/>
-                  <a:lumOff val="40000"/>
-                </a:schemeClr>
-              </a:solidFill>
-              <a:latin typeface="Noto Sans CJK SC Bold" pitchFamily="34" charset="-127"/>
-              <a:ea typeface="Noto Sans CJK SC Bold" pitchFamily="34" charset="-127"/>
-            </a:endParaRPr>
           </a:p>
           <a:p>
             <a:r>
@@ -6178,16 +6039,6 @@
               </a:rPr>
               <a:t>조</a:t>
             </a:r>
-            <a:endParaRPr lang="ko-KR" altLang="en-US" sz="2400" dirty="0">
-              <a:solidFill>
-                <a:schemeClr val="accent5">
-                  <a:lumMod val="60000"/>
-                  <a:lumOff val="40000"/>
-                </a:schemeClr>
-              </a:solidFill>
-              <a:latin typeface="Noto Sans CJK SC Bold" pitchFamily="34" charset="-127"/>
-              <a:ea typeface="Noto Sans CJK SC Bold" pitchFamily="34" charset="-127"/>
-            </a:endParaRPr>
           </a:p>
         </p:txBody>
       </p:sp>
@@ -6293,16 +6144,6 @@
               </a:rPr>
               <a:t>03</a:t>
             </a:r>
-            <a:endParaRPr lang="en-US" altLang="ko-KR" dirty="0" smtClean="0">
-              <a:solidFill>
-                <a:schemeClr val="accent5">
-                  <a:lumMod val="60000"/>
-                  <a:lumOff val="40000"/>
-                </a:schemeClr>
-              </a:solidFill>
-              <a:latin typeface="Noto Sans CJK SC Bold" pitchFamily="34" charset="-127"/>
-              <a:ea typeface="Noto Sans CJK SC Bold" pitchFamily="34" charset="-127"/>
-            </a:endParaRPr>
           </a:p>
           <a:p>
             <a:r>
@@ -6356,16 +6197,6 @@
               </a:rPr>
               <a:t>조</a:t>
             </a:r>
-            <a:endParaRPr lang="ko-KR" altLang="en-US" sz="2400" dirty="0">
-              <a:solidFill>
-                <a:schemeClr val="accent5">
-                  <a:lumMod val="60000"/>
-                  <a:lumOff val="40000"/>
-                </a:schemeClr>
-              </a:solidFill>
-              <a:latin typeface="Noto Sans CJK SC Bold" pitchFamily="34" charset="-127"/>
-              <a:ea typeface="Noto Sans CJK SC Bold" pitchFamily="34" charset="-127"/>
-            </a:endParaRPr>
           </a:p>
         </p:txBody>
       </p:sp>
@@ -6885,16 +6716,6 @@
               </a:rPr>
               <a:t>03</a:t>
             </a:r>
-            <a:endParaRPr lang="en-US" altLang="ko-KR" dirty="0" smtClean="0">
-              <a:solidFill>
-                <a:schemeClr val="accent5">
-                  <a:lumMod val="60000"/>
-                  <a:lumOff val="40000"/>
-                </a:schemeClr>
-              </a:solidFill>
-              <a:latin typeface="Noto Sans CJK SC Bold" pitchFamily="34" charset="-127"/>
-              <a:ea typeface="Noto Sans CJK SC Bold" pitchFamily="34" charset="-127"/>
-            </a:endParaRPr>
           </a:p>
           <a:p>
             <a:r>
@@ -6948,16 +6769,6 @@
               </a:rPr>
               <a:t>조</a:t>
             </a:r>
-            <a:endParaRPr lang="ko-KR" altLang="en-US" sz="2400" dirty="0">
-              <a:solidFill>
-                <a:schemeClr val="accent5">
-                  <a:lumMod val="60000"/>
-                  <a:lumOff val="40000"/>
-                </a:schemeClr>
-              </a:solidFill>
-              <a:latin typeface="Noto Sans CJK SC Bold" pitchFamily="34" charset="-127"/>
-              <a:ea typeface="Noto Sans CJK SC Bold" pitchFamily="34" charset="-127"/>
-            </a:endParaRPr>
           </a:p>
         </p:txBody>
       </p:sp>
@@ -7338,16 +7149,6 @@
               </a:rPr>
               <a:t>04</a:t>
             </a:r>
-            <a:endParaRPr lang="en-US" altLang="ko-KR" dirty="0" smtClean="0">
-              <a:solidFill>
-                <a:schemeClr val="accent5">
-                  <a:lumMod val="60000"/>
-                  <a:lumOff val="40000"/>
-                </a:schemeClr>
-              </a:solidFill>
-              <a:latin typeface="Noto Sans CJK SC Bold" pitchFamily="34" charset="-127"/>
-              <a:ea typeface="Noto Sans CJK SC Bold" pitchFamily="34" charset="-127"/>
-            </a:endParaRPr>
           </a:p>
           <a:p>
             <a:r>
@@ -7401,16 +7202,6 @@
               </a:rPr>
               <a:t>면</a:t>
             </a:r>
-            <a:endParaRPr lang="ko-KR" altLang="en-US" sz="2400" dirty="0">
-              <a:solidFill>
-                <a:schemeClr val="accent5">
-                  <a:lumMod val="60000"/>
-                  <a:lumOff val="40000"/>
-                </a:schemeClr>
-              </a:solidFill>
-              <a:latin typeface="Noto Sans CJK SC Bold" pitchFamily="34" charset="-127"/>
-              <a:ea typeface="Noto Sans CJK SC Bold" pitchFamily="34" charset="-127"/>
-            </a:endParaRPr>
           </a:p>
         </p:txBody>
       </p:sp>
@@ -8108,9 +7899,52 @@
           </a:prstGeom>
         </p:spPr>
       </p:pic>
+      <p:sp>
+        <p:nvSpPr>
+          <p:cNvPr id="8" name="TextBox 7"/>
+          <p:cNvSpPr txBox="1"/>
+          <p:nvPr/>
+        </p:nvSpPr>
+        <p:spPr>
+          <a:xfrm>
+            <a:off x="4011160" y="626643"/>
+            <a:ext cx="1152160" cy="276999"/>
+          </a:xfrm>
+          <a:prstGeom prst="rect">
+            <a:avLst/>
+          </a:prstGeom>
+          <a:noFill/>
+        </p:spPr>
+        <p:txBody>
+          <a:bodyPr wrap="square" rtlCol="0">
+            <a:spAutoFit/>
+          </a:bodyPr>
+          <a:lstStyle/>
+          <a:p>
+            <a:pPr algn="ctr"/>
+            <a:r>
+              <a:rPr lang="ko-KR" altLang="en-US" sz="1200" dirty="0" smtClean="0">
+                <a:solidFill>
+                  <a:srgbClr val="00B0F0"/>
+                </a:solidFill>
+                <a:latin typeface="Noto Sans CJK SC Thin" pitchFamily="34" charset="-127"/>
+                <a:ea typeface="Noto Sans CJK SC Thin" pitchFamily="34" charset="-127"/>
+              </a:rPr>
+              <a:t>회원 가입 화면</a:t>
+            </a:r>
+            <a:endParaRPr lang="en-US" altLang="ko-KR" sz="1200" dirty="0" smtClean="0">
+              <a:solidFill>
+                <a:srgbClr val="00B0F0"/>
+              </a:solidFill>
+              <a:latin typeface="Noto Sans CJK SC Thin" pitchFamily="34" charset="-127"/>
+              <a:ea typeface="Noto Sans CJK SC Thin" pitchFamily="34" charset="-127"/>
+            </a:endParaRPr>
+          </a:p>
+        </p:txBody>
+      </p:sp>
       <p:pic>
         <p:nvPicPr>
-          <p:cNvPr id="11266" name="Picture 2"/>
+          <p:cNvPr id="4098" name="Picture 2"/>
           <p:cNvPicPr>
             <a:picLocks noChangeAspect="1" noChangeArrowheads="1"/>
           </p:cNvPicPr>
@@ -8131,8 +7965,8 @@
         </p:blipFill>
         <p:spPr bwMode="auto">
           <a:xfrm>
-            <a:off x="4093497" y="1124680"/>
-            <a:ext cx="3024076" cy="2736380"/>
+            <a:off x="4078980" y="1473680"/>
+            <a:ext cx="3043728" cy="2182608"/>
           </a:xfrm>
           <a:prstGeom prst="rect">
             <a:avLst/>
@@ -8172,53 +8006,10 @@
           </a:extLst>
         </p:spPr>
       </p:pic>
-      <p:sp>
-        <p:nvSpPr>
-          <p:cNvPr id="8" name="TextBox 7"/>
-          <p:cNvSpPr txBox="1"/>
-          <p:nvPr/>
-        </p:nvSpPr>
-        <p:spPr>
-          <a:xfrm>
-            <a:off x="4011160" y="626643"/>
-            <a:ext cx="1152160" cy="276999"/>
-          </a:xfrm>
-          <a:prstGeom prst="rect">
-            <a:avLst/>
-          </a:prstGeom>
-          <a:noFill/>
-        </p:spPr>
-        <p:txBody>
-          <a:bodyPr wrap="square" rtlCol="0">
-            <a:spAutoFit/>
-          </a:bodyPr>
-          <a:lstStyle/>
-          <a:p>
-            <a:pPr algn="ctr"/>
-            <a:r>
-              <a:rPr lang="ko-KR" altLang="en-US" sz="1200" dirty="0" smtClean="0">
-                <a:solidFill>
-                  <a:srgbClr val="00B0F0"/>
-                </a:solidFill>
-                <a:latin typeface="Noto Sans CJK SC Thin" pitchFamily="34" charset="-127"/>
-                <a:ea typeface="Noto Sans CJK SC Thin" pitchFamily="34" charset="-127"/>
-              </a:rPr>
-              <a:t>도서 검색 화면</a:t>
-            </a:r>
-            <a:endParaRPr lang="en-US" altLang="ko-KR" sz="1200" dirty="0" smtClean="0">
-              <a:solidFill>
-                <a:srgbClr val="00B0F0"/>
-              </a:solidFill>
-              <a:latin typeface="Noto Sans CJK SC Thin" pitchFamily="34" charset="-127"/>
-              <a:ea typeface="Noto Sans CJK SC Thin" pitchFamily="34" charset="-127"/>
-            </a:endParaRPr>
-          </a:p>
-        </p:txBody>
-      </p:sp>
     </p:spTree>
     <p:extLst>
       <p:ext uri="{BB962C8B-B14F-4D97-AF65-F5344CB8AC3E}">
-        <p14:creationId xmlns:p14="http://schemas.microsoft.com/office/powerpoint/2010/main" val="2139743618"/>
+        <p14:creationId xmlns:p14="http://schemas.microsoft.com/office/powerpoint/2010/main" val="1777640925"/>
       </p:ext>
     </p:extLst>
   </p:cSld>
@@ -8449,20 +8240,7 @@
                 <a:latin typeface="Noto Sans CJK SC Bold" pitchFamily="34" charset="-127"/>
                 <a:ea typeface="Noto Sans CJK SC Bold" pitchFamily="34" charset="-127"/>
               </a:rPr>
-              <a:t>04</a:t>
-            </a:r>
-            <a:r>
-              <a:rPr lang="en-US" altLang="ko-KR" sz="3300" dirty="0" smtClean="0">
-                <a:solidFill>
-                  <a:schemeClr val="accent5">
-                    <a:lumMod val="60000"/>
-                    <a:lumOff val="40000"/>
-                  </a:schemeClr>
-                </a:solidFill>
-                <a:latin typeface="Noto Sans CJK SC Bold" pitchFamily="34" charset="-127"/>
-                <a:ea typeface="Noto Sans CJK SC Bold" pitchFamily="34" charset="-127"/>
-              </a:rPr>
-              <a:t>. </a:t>
+              <a:t>04. </a:t>
             </a:r>
             <a:r>
               <a:rPr lang="ko-KR" altLang="en-US" sz="3300" dirty="0">
@@ -8518,31 +8296,8 @@
                 <a:latin typeface="Noto Sans CJK SC Bold" pitchFamily="34" charset="-127"/>
                 <a:ea typeface="Noto Sans CJK SC Bold" pitchFamily="34" charset="-127"/>
               </a:rPr>
-              <a:t>05. </a:t>
-            </a:r>
-            <a:r>
-              <a:rPr lang="en-US" altLang="ko-KR" sz="3300" dirty="0" smtClean="0">
-                <a:solidFill>
-                  <a:schemeClr val="accent5">
-                    <a:lumMod val="60000"/>
-                    <a:lumOff val="40000"/>
-                  </a:schemeClr>
-                </a:solidFill>
-                <a:latin typeface="Noto Sans CJK SC Bold" pitchFamily="34" charset="-127"/>
-                <a:ea typeface="Noto Sans CJK SC Bold" pitchFamily="34" charset="-127"/>
-              </a:rPr>
-              <a:t>Q&amp;A</a:t>
-            </a:r>
-            <a:endParaRPr lang="en-US" altLang="ko-KR" sz="3300" dirty="0" smtClean="0">
-              <a:solidFill>
-                <a:schemeClr val="accent5">
-                  <a:lumMod val="60000"/>
-                  <a:lumOff val="40000"/>
-                </a:schemeClr>
-              </a:solidFill>
-              <a:latin typeface="Noto Sans CJK SC Bold" pitchFamily="34" charset="-127"/>
-              <a:ea typeface="Noto Sans CJK SC Bold" pitchFamily="34" charset="-127"/>
-            </a:endParaRPr>
+              <a:t>05. Q&amp;A</a:t>
+            </a:r>
           </a:p>
         </p:txBody>
       </p:sp>
@@ -8663,14 +8418,14 @@
       </p:pic>
       <p:sp>
         <p:nvSpPr>
-          <p:cNvPr id="6" name="TextBox 5"/>
+          <p:cNvPr id="10" name="TextBox 9"/>
           <p:cNvSpPr txBox="1"/>
           <p:nvPr/>
         </p:nvSpPr>
         <p:spPr>
           <a:xfrm>
-            <a:off x="4009926" y="2170635"/>
-            <a:ext cx="2855269" cy="1323439"/>
+            <a:off x="395420" y="591005"/>
+            <a:ext cx="1390124" cy="738664"/>
           </a:xfrm>
           <a:prstGeom prst="rect">
             <a:avLst/>
@@ -8683,9 +8438,8 @@
           </a:bodyPr>
           <a:lstStyle/>
           <a:p>
-            <a:pPr algn="ctr"/>
-            <a:r>
-              <a:rPr lang="en-US" altLang="ko-KR" sz="8000" dirty="0" smtClean="0">
+            <a:r>
+              <a:rPr lang="en-US" altLang="ko-KR" b="1" dirty="0" smtClean="0">
                 <a:solidFill>
                   <a:schemeClr val="accent5">
                     <a:lumMod val="60000"/>
@@ -8695,9 +8449,24 @@
                 <a:latin typeface="Noto Sans CJK SC Bold" pitchFamily="34" charset="-127"/>
                 <a:ea typeface="Noto Sans CJK SC Bold" pitchFamily="34" charset="-127"/>
               </a:rPr>
-              <a:t>Q &amp; A</a:t>
-            </a:r>
-            <a:endParaRPr lang="en-US" altLang="ko-KR" sz="8000" dirty="0" smtClean="0">
+              <a:t>04</a:t>
+            </a:r>
+          </a:p>
+          <a:p>
+            <a:r>
+              <a:rPr lang="ko-KR" altLang="en-US" sz="2400" b="1" dirty="0" smtClean="0">
+                <a:solidFill>
+                  <a:schemeClr val="accent5">
+                    <a:lumMod val="60000"/>
+                    <a:lumOff val="40000"/>
+                  </a:schemeClr>
+                </a:solidFill>
+                <a:latin typeface="Noto Sans CJK SC Bold" pitchFamily="34" charset="-127"/>
+                <a:ea typeface="Noto Sans CJK SC Bold" pitchFamily="34" charset="-127"/>
+              </a:rPr>
+              <a:t>시연 화면</a:t>
+            </a:r>
+            <a:endParaRPr lang="ko-KR" altLang="en-US" sz="2400" b="1" dirty="0">
               <a:solidFill>
                 <a:schemeClr val="accent5">
                   <a:lumMod val="60000"/>
@@ -8710,16 +8479,220 @@
           </a:p>
         </p:txBody>
       </p:sp>
-      <p:sp>
-        <p:nvSpPr>
-          <p:cNvPr id="11" name="TextBox 10"/>
+      <p:pic>
+        <p:nvPicPr>
+          <p:cNvPr id="3" name="그림 2"/>
+          <p:cNvPicPr>
+            <a:picLocks noChangeAspect="1"/>
+          </p:cNvPicPr>
+          <p:nvPr/>
+        </p:nvPicPr>
+        <p:blipFill>
+          <a:blip r:embed="rId3">
+            <a:extLst>
+              <a:ext uri="{28A0092B-C50C-407E-A947-70E740481C1C}">
+                <a14:useLocalDpi xmlns:a14="http://schemas.microsoft.com/office/drawing/2010/main" val="0"/>
+              </a:ext>
+            </a:extLst>
+          </a:blip>
+          <a:stretch>
+            <a:fillRect/>
+          </a:stretch>
+        </p:blipFill>
+        <p:spPr>
+          <a:xfrm>
+            <a:off x="2390775" y="0"/>
+            <a:ext cx="6753225" cy="6858000"/>
+          </a:xfrm>
+          <a:prstGeom prst="rect">
+            <a:avLst/>
+          </a:prstGeom>
+        </p:spPr>
+      </p:pic>
+      <p:pic>
+        <p:nvPicPr>
+          <p:cNvPr id="11266" name="Picture 2"/>
+          <p:cNvPicPr>
+            <a:picLocks noChangeAspect="1" noChangeArrowheads="1"/>
+          </p:cNvPicPr>
+          <p:nvPr/>
+        </p:nvPicPr>
+        <p:blipFill>
+          <a:blip r:embed="rId4" cstate="print">
+            <a:extLst>
+              <a:ext uri="{28A0092B-C50C-407E-A947-70E740481C1C}">
+                <a14:useLocalDpi xmlns:a14="http://schemas.microsoft.com/office/drawing/2010/main" val="0"/>
+              </a:ext>
+            </a:extLst>
+          </a:blip>
+          <a:srcRect/>
+          <a:stretch>
+            <a:fillRect/>
+          </a:stretch>
+        </p:blipFill>
+        <p:spPr bwMode="auto">
+          <a:xfrm>
+            <a:off x="4093497" y="1124680"/>
+            <a:ext cx="3024076" cy="2736380"/>
+          </a:xfrm>
+          <a:prstGeom prst="rect">
+            <a:avLst/>
+          </a:prstGeom>
+          <a:noFill/>
+          <a:ln>
+            <a:noFill/>
+          </a:ln>
+          <a:effectLst/>
+          <a:extLst>
+            <a:ext uri="{909E8E84-426E-40DD-AFC4-6F175D3DCCD1}">
+              <a14:hiddenFill xmlns:a14="http://schemas.microsoft.com/office/drawing/2010/main">
+                <a:solidFill>
+                  <a:schemeClr val="accent1"/>
+                </a:solidFill>
+              </a14:hiddenFill>
+            </a:ext>
+            <a:ext uri="{91240B29-F687-4F45-9708-019B960494DF}">
+              <a14:hiddenLine xmlns:a14="http://schemas.microsoft.com/office/drawing/2010/main" w="9525">
+                <a:solidFill>
+                  <a:schemeClr val="tx1"/>
+                </a:solidFill>
+                <a:miter lim="800000"/>
+                <a:headEnd/>
+                <a:tailEnd/>
+              </a14:hiddenLine>
+            </a:ext>
+            <a:ext uri="{AF507438-7753-43E0-B8FC-AC1667EBCBE1}">
+              <a14:hiddenEffects xmlns:a14="http://schemas.microsoft.com/office/drawing/2010/main">
+                <a:effectLst>
+                  <a:outerShdw dist="35921" dir="2700000" algn="ctr" rotWithShape="0">
+                    <a:schemeClr val="bg2"/>
+                  </a:outerShdw>
+                </a:effectLst>
+              </a14:hiddenEffects>
+            </a:ext>
+          </a:extLst>
+        </p:spPr>
+      </p:pic>
+      <p:sp>
+        <p:nvSpPr>
+          <p:cNvPr id="8" name="TextBox 7"/>
           <p:cNvSpPr txBox="1"/>
           <p:nvPr/>
         </p:nvSpPr>
         <p:spPr>
           <a:xfrm>
+            <a:off x="4011160" y="626643"/>
+            <a:ext cx="1152160" cy="276999"/>
+          </a:xfrm>
+          <a:prstGeom prst="rect">
+            <a:avLst/>
+          </a:prstGeom>
+          <a:noFill/>
+        </p:spPr>
+        <p:txBody>
+          <a:bodyPr wrap="square" rtlCol="0">
+            <a:spAutoFit/>
+          </a:bodyPr>
+          <a:lstStyle/>
+          <a:p>
+            <a:pPr algn="ctr"/>
+            <a:r>
+              <a:rPr lang="ko-KR" altLang="en-US" sz="1200" dirty="0" smtClean="0">
+                <a:solidFill>
+                  <a:srgbClr val="00B0F0"/>
+                </a:solidFill>
+                <a:latin typeface="Noto Sans CJK SC Thin" pitchFamily="34" charset="-127"/>
+                <a:ea typeface="Noto Sans CJK SC Thin" pitchFamily="34" charset="-127"/>
+              </a:rPr>
+              <a:t>도서 검색 화면</a:t>
+            </a:r>
+            <a:endParaRPr lang="en-US" altLang="ko-KR" sz="1200" dirty="0" smtClean="0">
+              <a:solidFill>
+                <a:srgbClr val="00B0F0"/>
+              </a:solidFill>
+              <a:latin typeface="Noto Sans CJK SC Thin" pitchFamily="34" charset="-127"/>
+              <a:ea typeface="Noto Sans CJK SC Thin" pitchFamily="34" charset="-127"/>
+            </a:endParaRPr>
+          </a:p>
+        </p:txBody>
+      </p:sp>
+    </p:spTree>
+    <p:extLst>
+      <p:ext uri="{BB962C8B-B14F-4D97-AF65-F5344CB8AC3E}">
+        <p14:creationId xmlns:p14="http://schemas.microsoft.com/office/powerpoint/2010/main" val="2139743618"/>
+      </p:ext>
+    </p:extLst>
+  </p:cSld>
+  <p:clrMapOvr>
+    <a:masterClrMapping/>
+  </p:clrMapOvr>
+  <p:timing>
+    <p:tnLst>
+      <p:par>
+        <p:cTn id="1" dur="indefinite" restart="never" nodeType="tmRoot"/>
+      </p:par>
+    </p:tnLst>
+  </p:timing>
+</p:sld>
+</file>
+
+<file path=ppt/slides/slide21.xml><?xml version="1.0" encoding="utf-8"?>
+<p:sld xmlns:a="http://schemas.openxmlformats.org/drawingml/2006/main" xmlns:r="http://schemas.openxmlformats.org/officeDocument/2006/relationships" xmlns:p="http://schemas.openxmlformats.org/presentationml/2006/main">
+  <p:cSld>
+    <p:spTree>
+      <p:nvGrpSpPr>
+        <p:cNvPr id="1" name=""/>
+        <p:cNvGrpSpPr/>
+        <p:nvPr/>
+      </p:nvGrpSpPr>
+      <p:grpSpPr>
+        <a:xfrm>
+          <a:off x="0" y="0"/>
+          <a:ext cx="0" cy="0"/>
+          <a:chOff x="0" y="0"/>
+          <a:chExt cx="0" cy="0"/>
+        </a:xfrm>
+      </p:grpSpPr>
+      <p:pic>
+        <p:nvPicPr>
+          <p:cNvPr id="5" name="그림 4"/>
+          <p:cNvPicPr>
+            <a:picLocks noChangeAspect="1"/>
+          </p:cNvPicPr>
+          <p:nvPr/>
+        </p:nvPicPr>
+        <p:blipFill>
+          <a:blip r:embed="rId2">
+            <a:extLst>
+              <a:ext uri="{28A0092B-C50C-407E-A947-70E740481C1C}">
+                <a14:useLocalDpi xmlns:a14="http://schemas.microsoft.com/office/drawing/2010/main" val="0"/>
+              </a:ext>
+            </a:extLst>
+          </a:blip>
+          <a:stretch>
+            <a:fillRect/>
+          </a:stretch>
+        </p:blipFill>
+        <p:spPr>
+          <a:xfrm>
+            <a:off x="0" y="0"/>
+            <a:ext cx="9144000" cy="6858000"/>
+          </a:xfrm>
+          <a:prstGeom prst="rect">
+            <a:avLst/>
+          </a:prstGeom>
+        </p:spPr>
+      </p:pic>
+      <p:sp>
+        <p:nvSpPr>
+          <p:cNvPr id="10" name="TextBox 9"/>
+          <p:cNvSpPr txBox="1"/>
+          <p:nvPr/>
+        </p:nvSpPr>
+        <p:spPr>
+          <a:xfrm>
             <a:off x="395420" y="591005"/>
-            <a:ext cx="846707" cy="738664"/>
+            <a:ext cx="1390124" cy="738664"/>
           </a:xfrm>
           <a:prstGeom prst="rect">
             <a:avLst/>
@@ -8733,7 +8706,7 @@
           <a:lstStyle/>
           <a:p>
             <a:r>
-              <a:rPr lang="en-US" altLang="ko-KR" dirty="0" smtClean="0">
+              <a:rPr lang="en-US" altLang="ko-KR" b="1" dirty="0" smtClean="0">
                 <a:solidFill>
                   <a:schemeClr val="accent5">
                     <a:lumMod val="60000"/>
@@ -8743,9 +8716,24 @@
                 <a:latin typeface="Noto Sans CJK SC Bold" pitchFamily="34" charset="-127"/>
                 <a:ea typeface="Noto Sans CJK SC Bold" pitchFamily="34" charset="-127"/>
               </a:rPr>
-              <a:t>05</a:t>
-            </a:r>
-            <a:endParaRPr lang="en-US" altLang="ko-KR" dirty="0" smtClean="0">
+              <a:t>04</a:t>
+            </a:r>
+          </a:p>
+          <a:p>
+            <a:r>
+              <a:rPr lang="ko-KR" altLang="en-US" sz="2400" b="1" dirty="0" smtClean="0">
+                <a:solidFill>
+                  <a:schemeClr val="accent5">
+                    <a:lumMod val="60000"/>
+                    <a:lumOff val="40000"/>
+                  </a:schemeClr>
+                </a:solidFill>
+                <a:latin typeface="Noto Sans CJK SC Bold" pitchFamily="34" charset="-127"/>
+                <a:ea typeface="Noto Sans CJK SC Bold" pitchFamily="34" charset="-127"/>
+              </a:rPr>
+              <a:t>시연 화면</a:t>
+            </a:r>
+            <a:endParaRPr lang="ko-KR" altLang="en-US" sz="2400" b="1" dirty="0">
               <a:solidFill>
                 <a:schemeClr val="accent5">
                   <a:lumMod val="60000"/>
@@ -8755,6 +8743,871 @@
               <a:latin typeface="Noto Sans CJK SC Bold" pitchFamily="34" charset="-127"/>
               <a:ea typeface="Noto Sans CJK SC Bold" pitchFamily="34" charset="-127"/>
             </a:endParaRPr>
+          </a:p>
+        </p:txBody>
+      </p:sp>
+      <p:pic>
+        <p:nvPicPr>
+          <p:cNvPr id="3" name="그림 2"/>
+          <p:cNvPicPr>
+            <a:picLocks noChangeAspect="1"/>
+          </p:cNvPicPr>
+          <p:nvPr/>
+        </p:nvPicPr>
+        <p:blipFill>
+          <a:blip r:embed="rId3">
+            <a:extLst>
+              <a:ext uri="{28A0092B-C50C-407E-A947-70E740481C1C}">
+                <a14:useLocalDpi xmlns:a14="http://schemas.microsoft.com/office/drawing/2010/main" val="0"/>
+              </a:ext>
+            </a:extLst>
+          </a:blip>
+          <a:stretch>
+            <a:fillRect/>
+          </a:stretch>
+        </p:blipFill>
+        <p:spPr>
+          <a:xfrm>
+            <a:off x="2390775" y="0"/>
+            <a:ext cx="6753225" cy="6858000"/>
+          </a:xfrm>
+          <a:prstGeom prst="rect">
+            <a:avLst/>
+          </a:prstGeom>
+        </p:spPr>
+      </p:pic>
+      <p:sp>
+        <p:nvSpPr>
+          <p:cNvPr id="8" name="TextBox 7"/>
+          <p:cNvSpPr txBox="1"/>
+          <p:nvPr/>
+        </p:nvSpPr>
+        <p:spPr>
+          <a:xfrm>
+            <a:off x="4011160" y="626643"/>
+            <a:ext cx="1352950" cy="276999"/>
+          </a:xfrm>
+          <a:prstGeom prst="rect">
+            <a:avLst/>
+          </a:prstGeom>
+          <a:noFill/>
+        </p:spPr>
+        <p:txBody>
+          <a:bodyPr wrap="square" rtlCol="0">
+            <a:spAutoFit/>
+          </a:bodyPr>
+          <a:lstStyle/>
+          <a:p>
+            <a:pPr algn="ctr"/>
+            <a:r>
+              <a:rPr lang="ko-KR" altLang="en-US" sz="1200" smtClean="0">
+                <a:solidFill>
+                  <a:srgbClr val="00B0F0"/>
+                </a:solidFill>
+                <a:latin typeface="Noto Sans CJK SC Thin" pitchFamily="34" charset="-127"/>
+                <a:ea typeface="Noto Sans CJK SC Thin" pitchFamily="34" charset="-127"/>
+              </a:rPr>
+              <a:t>도서관 </a:t>
+            </a:r>
+            <a:r>
+              <a:rPr lang="ko-KR" altLang="en-US" sz="1200" dirty="0" smtClean="0">
+                <a:solidFill>
+                  <a:srgbClr val="00B0F0"/>
+                </a:solidFill>
+                <a:latin typeface="Noto Sans CJK SC Thin" pitchFamily="34" charset="-127"/>
+                <a:ea typeface="Noto Sans CJK SC Thin" pitchFamily="34" charset="-127"/>
+              </a:rPr>
+              <a:t>검색 화면</a:t>
+            </a:r>
+            <a:endParaRPr lang="en-US" altLang="ko-KR" sz="1200" dirty="0" smtClean="0">
+              <a:solidFill>
+                <a:srgbClr val="00B0F0"/>
+              </a:solidFill>
+              <a:latin typeface="Noto Sans CJK SC Thin" pitchFamily="34" charset="-127"/>
+              <a:ea typeface="Noto Sans CJK SC Thin" pitchFamily="34" charset="-127"/>
+            </a:endParaRPr>
+          </a:p>
+        </p:txBody>
+      </p:sp>
+      <p:pic>
+        <p:nvPicPr>
+          <p:cNvPr id="1026" name="Picture 2"/>
+          <p:cNvPicPr>
+            <a:picLocks noChangeAspect="1" noChangeArrowheads="1"/>
+          </p:cNvPicPr>
+          <p:nvPr/>
+        </p:nvPicPr>
+        <p:blipFill>
+          <a:blip r:embed="rId4" cstate="print">
+            <a:extLst>
+              <a:ext uri="{28A0092B-C50C-407E-A947-70E740481C1C}">
+                <a14:useLocalDpi xmlns:a14="http://schemas.microsoft.com/office/drawing/2010/main" val="0"/>
+              </a:ext>
+            </a:extLst>
+          </a:blip>
+          <a:srcRect/>
+          <a:stretch>
+            <a:fillRect/>
+          </a:stretch>
+        </p:blipFill>
+        <p:spPr bwMode="auto">
+          <a:xfrm>
+            <a:off x="4091172" y="1184498"/>
+            <a:ext cx="3030506" cy="2592360"/>
+          </a:xfrm>
+          <a:prstGeom prst="rect">
+            <a:avLst/>
+          </a:prstGeom>
+          <a:noFill/>
+          <a:ln>
+            <a:noFill/>
+          </a:ln>
+          <a:effectLst/>
+          <a:extLst>
+            <a:ext uri="{909E8E84-426E-40DD-AFC4-6F175D3DCCD1}">
+              <a14:hiddenFill xmlns:a14="http://schemas.microsoft.com/office/drawing/2010/main">
+                <a:solidFill>
+                  <a:schemeClr val="accent1"/>
+                </a:solidFill>
+              </a14:hiddenFill>
+            </a:ext>
+            <a:ext uri="{91240B29-F687-4F45-9708-019B960494DF}">
+              <a14:hiddenLine xmlns:a14="http://schemas.microsoft.com/office/drawing/2010/main" w="9525">
+                <a:solidFill>
+                  <a:schemeClr val="tx1"/>
+                </a:solidFill>
+                <a:miter lim="800000"/>
+                <a:headEnd/>
+                <a:tailEnd/>
+              </a14:hiddenLine>
+            </a:ext>
+            <a:ext uri="{AF507438-7753-43E0-B8FC-AC1667EBCBE1}">
+              <a14:hiddenEffects xmlns:a14="http://schemas.microsoft.com/office/drawing/2010/main">
+                <a:effectLst>
+                  <a:outerShdw dist="35921" dir="2700000" algn="ctr" rotWithShape="0">
+                    <a:schemeClr val="bg2"/>
+                  </a:outerShdw>
+                </a:effectLst>
+              </a14:hiddenEffects>
+            </a:ext>
+          </a:extLst>
+        </p:spPr>
+      </p:pic>
+    </p:spTree>
+    <p:extLst>
+      <p:ext uri="{BB962C8B-B14F-4D97-AF65-F5344CB8AC3E}">
+        <p14:creationId xmlns:p14="http://schemas.microsoft.com/office/powerpoint/2010/main" val="2821239954"/>
+      </p:ext>
+    </p:extLst>
+  </p:cSld>
+  <p:clrMapOvr>
+    <a:masterClrMapping/>
+  </p:clrMapOvr>
+  <p:timing>
+    <p:tnLst>
+      <p:par>
+        <p:cTn id="1" dur="indefinite" restart="never" nodeType="tmRoot"/>
+      </p:par>
+    </p:tnLst>
+  </p:timing>
+</p:sld>
+</file>
+
+<file path=ppt/slides/slide22.xml><?xml version="1.0" encoding="utf-8"?>
+<p:sld xmlns:a="http://schemas.openxmlformats.org/drawingml/2006/main" xmlns:r="http://schemas.openxmlformats.org/officeDocument/2006/relationships" xmlns:p="http://schemas.openxmlformats.org/presentationml/2006/main">
+  <p:cSld>
+    <p:spTree>
+      <p:nvGrpSpPr>
+        <p:cNvPr id="1" name=""/>
+        <p:cNvGrpSpPr/>
+        <p:nvPr/>
+      </p:nvGrpSpPr>
+      <p:grpSpPr>
+        <a:xfrm>
+          <a:off x="0" y="0"/>
+          <a:ext cx="0" cy="0"/>
+          <a:chOff x="0" y="0"/>
+          <a:chExt cx="0" cy="0"/>
+        </a:xfrm>
+      </p:grpSpPr>
+      <p:pic>
+        <p:nvPicPr>
+          <p:cNvPr id="5" name="그림 4"/>
+          <p:cNvPicPr>
+            <a:picLocks noChangeAspect="1"/>
+          </p:cNvPicPr>
+          <p:nvPr/>
+        </p:nvPicPr>
+        <p:blipFill>
+          <a:blip r:embed="rId2">
+            <a:extLst>
+              <a:ext uri="{28A0092B-C50C-407E-A947-70E740481C1C}">
+                <a14:useLocalDpi xmlns:a14="http://schemas.microsoft.com/office/drawing/2010/main" val="0"/>
+              </a:ext>
+            </a:extLst>
+          </a:blip>
+          <a:stretch>
+            <a:fillRect/>
+          </a:stretch>
+        </p:blipFill>
+        <p:spPr>
+          <a:xfrm>
+            <a:off x="0" y="0"/>
+            <a:ext cx="9144000" cy="6858000"/>
+          </a:xfrm>
+          <a:prstGeom prst="rect">
+            <a:avLst/>
+          </a:prstGeom>
+        </p:spPr>
+      </p:pic>
+      <p:sp>
+        <p:nvSpPr>
+          <p:cNvPr id="10" name="TextBox 9"/>
+          <p:cNvSpPr txBox="1"/>
+          <p:nvPr/>
+        </p:nvSpPr>
+        <p:spPr>
+          <a:xfrm>
+            <a:off x="395420" y="591005"/>
+            <a:ext cx="1390124" cy="738664"/>
+          </a:xfrm>
+          <a:prstGeom prst="rect">
+            <a:avLst/>
+          </a:prstGeom>
+          <a:noFill/>
+        </p:spPr>
+        <p:txBody>
+          <a:bodyPr wrap="none" rtlCol="0">
+            <a:spAutoFit/>
+          </a:bodyPr>
+          <a:lstStyle/>
+          <a:p>
+            <a:r>
+              <a:rPr lang="en-US" altLang="ko-KR" b="1" dirty="0" smtClean="0">
+                <a:solidFill>
+                  <a:schemeClr val="accent5">
+                    <a:lumMod val="60000"/>
+                    <a:lumOff val="40000"/>
+                  </a:schemeClr>
+                </a:solidFill>
+                <a:latin typeface="Noto Sans CJK SC Bold" pitchFamily="34" charset="-127"/>
+                <a:ea typeface="Noto Sans CJK SC Bold" pitchFamily="34" charset="-127"/>
+              </a:rPr>
+              <a:t>04</a:t>
+            </a:r>
+          </a:p>
+          <a:p>
+            <a:r>
+              <a:rPr lang="ko-KR" altLang="en-US" sz="2400" b="1" dirty="0" smtClean="0">
+                <a:solidFill>
+                  <a:schemeClr val="accent5">
+                    <a:lumMod val="60000"/>
+                    <a:lumOff val="40000"/>
+                  </a:schemeClr>
+                </a:solidFill>
+                <a:latin typeface="Noto Sans CJK SC Bold" pitchFamily="34" charset="-127"/>
+                <a:ea typeface="Noto Sans CJK SC Bold" pitchFamily="34" charset="-127"/>
+              </a:rPr>
+              <a:t>시연 화면</a:t>
+            </a:r>
+            <a:endParaRPr lang="ko-KR" altLang="en-US" sz="2400" b="1" dirty="0">
+              <a:solidFill>
+                <a:schemeClr val="accent5">
+                  <a:lumMod val="60000"/>
+                  <a:lumOff val="40000"/>
+                </a:schemeClr>
+              </a:solidFill>
+              <a:latin typeface="Noto Sans CJK SC Bold" pitchFamily="34" charset="-127"/>
+              <a:ea typeface="Noto Sans CJK SC Bold" pitchFamily="34" charset="-127"/>
+            </a:endParaRPr>
+          </a:p>
+        </p:txBody>
+      </p:sp>
+      <p:pic>
+        <p:nvPicPr>
+          <p:cNvPr id="3" name="그림 2"/>
+          <p:cNvPicPr>
+            <a:picLocks noChangeAspect="1"/>
+          </p:cNvPicPr>
+          <p:nvPr/>
+        </p:nvPicPr>
+        <p:blipFill>
+          <a:blip r:embed="rId3">
+            <a:extLst>
+              <a:ext uri="{28A0092B-C50C-407E-A947-70E740481C1C}">
+                <a14:useLocalDpi xmlns:a14="http://schemas.microsoft.com/office/drawing/2010/main" val="0"/>
+              </a:ext>
+            </a:extLst>
+          </a:blip>
+          <a:stretch>
+            <a:fillRect/>
+          </a:stretch>
+        </p:blipFill>
+        <p:spPr>
+          <a:xfrm>
+            <a:off x="2390775" y="0"/>
+            <a:ext cx="6753225" cy="6858000"/>
+          </a:xfrm>
+          <a:prstGeom prst="rect">
+            <a:avLst/>
+          </a:prstGeom>
+        </p:spPr>
+      </p:pic>
+      <p:sp>
+        <p:nvSpPr>
+          <p:cNvPr id="8" name="TextBox 7"/>
+          <p:cNvSpPr txBox="1"/>
+          <p:nvPr/>
+        </p:nvSpPr>
+        <p:spPr>
+          <a:xfrm>
+            <a:off x="4011160" y="626643"/>
+            <a:ext cx="1152160" cy="461665"/>
+          </a:xfrm>
+          <a:prstGeom prst="rect">
+            <a:avLst/>
+          </a:prstGeom>
+          <a:noFill/>
+        </p:spPr>
+        <p:txBody>
+          <a:bodyPr wrap="square" rtlCol="0">
+            <a:spAutoFit/>
+          </a:bodyPr>
+          <a:lstStyle/>
+          <a:p>
+            <a:pPr algn="ctr"/>
+            <a:r>
+              <a:rPr lang="ko-KR" altLang="en-US" sz="1200" dirty="0" smtClean="0">
+                <a:solidFill>
+                  <a:srgbClr val="00B0F0"/>
+                </a:solidFill>
+                <a:latin typeface="Noto Sans CJK SC Thin" pitchFamily="34" charset="-127"/>
+                <a:ea typeface="Noto Sans CJK SC Thin" pitchFamily="34" charset="-127"/>
+              </a:rPr>
+              <a:t>도서관 행사</a:t>
+            </a:r>
+            <a:endParaRPr lang="en-US" altLang="ko-KR" sz="1200" dirty="0" smtClean="0">
+              <a:solidFill>
+                <a:srgbClr val="00B0F0"/>
+              </a:solidFill>
+              <a:latin typeface="Noto Sans CJK SC Thin" pitchFamily="34" charset="-127"/>
+              <a:ea typeface="Noto Sans CJK SC Thin" pitchFamily="34" charset="-127"/>
+            </a:endParaRPr>
+          </a:p>
+          <a:p>
+            <a:pPr algn="ctr"/>
+            <a:r>
+              <a:rPr lang="ko-KR" altLang="en-US" sz="1200" dirty="0" smtClean="0">
+                <a:solidFill>
+                  <a:srgbClr val="00B0F0"/>
+                </a:solidFill>
+                <a:latin typeface="Noto Sans CJK SC Thin" pitchFamily="34" charset="-127"/>
+                <a:ea typeface="Noto Sans CJK SC Thin" pitchFamily="34" charset="-127"/>
+              </a:rPr>
+              <a:t>검색 화면</a:t>
+            </a:r>
+            <a:endParaRPr lang="en-US" altLang="ko-KR" sz="1200" dirty="0" smtClean="0">
+              <a:solidFill>
+                <a:srgbClr val="00B0F0"/>
+              </a:solidFill>
+              <a:latin typeface="Noto Sans CJK SC Thin" pitchFamily="34" charset="-127"/>
+              <a:ea typeface="Noto Sans CJK SC Thin" pitchFamily="34" charset="-127"/>
+            </a:endParaRPr>
+          </a:p>
+        </p:txBody>
+      </p:sp>
+      <p:pic>
+        <p:nvPicPr>
+          <p:cNvPr id="2050" name="Picture 2"/>
+          <p:cNvPicPr>
+            <a:picLocks noChangeAspect="1" noChangeArrowheads="1"/>
+          </p:cNvPicPr>
+          <p:nvPr/>
+        </p:nvPicPr>
+        <p:blipFill>
+          <a:blip r:embed="rId4" cstate="print">
+            <a:extLst>
+              <a:ext uri="{28A0092B-C50C-407E-A947-70E740481C1C}">
+                <a14:useLocalDpi xmlns:a14="http://schemas.microsoft.com/office/drawing/2010/main" val="0"/>
+              </a:ext>
+            </a:extLst>
+          </a:blip>
+          <a:srcRect/>
+          <a:stretch>
+            <a:fillRect/>
+          </a:stretch>
+        </p:blipFill>
+        <p:spPr bwMode="auto">
+          <a:xfrm>
+            <a:off x="4103364" y="1339568"/>
+            <a:ext cx="3003076" cy="2556717"/>
+          </a:xfrm>
+          <a:prstGeom prst="rect">
+            <a:avLst/>
+          </a:prstGeom>
+          <a:noFill/>
+          <a:ln>
+            <a:noFill/>
+          </a:ln>
+          <a:effectLst/>
+          <a:extLst>
+            <a:ext uri="{909E8E84-426E-40DD-AFC4-6F175D3DCCD1}">
+              <a14:hiddenFill xmlns:a14="http://schemas.microsoft.com/office/drawing/2010/main">
+                <a:solidFill>
+                  <a:schemeClr val="accent1"/>
+                </a:solidFill>
+              </a14:hiddenFill>
+            </a:ext>
+            <a:ext uri="{91240B29-F687-4F45-9708-019B960494DF}">
+              <a14:hiddenLine xmlns:a14="http://schemas.microsoft.com/office/drawing/2010/main" w="9525">
+                <a:solidFill>
+                  <a:schemeClr val="tx1"/>
+                </a:solidFill>
+                <a:miter lim="800000"/>
+                <a:headEnd/>
+                <a:tailEnd/>
+              </a14:hiddenLine>
+            </a:ext>
+            <a:ext uri="{AF507438-7753-43E0-B8FC-AC1667EBCBE1}">
+              <a14:hiddenEffects xmlns:a14="http://schemas.microsoft.com/office/drawing/2010/main">
+                <a:effectLst>
+                  <a:outerShdw dist="35921" dir="2700000" algn="ctr" rotWithShape="0">
+                    <a:schemeClr val="bg2"/>
+                  </a:outerShdw>
+                </a:effectLst>
+              </a14:hiddenEffects>
+            </a:ext>
+          </a:extLst>
+        </p:spPr>
+      </p:pic>
+    </p:spTree>
+    <p:extLst>
+      <p:ext uri="{BB962C8B-B14F-4D97-AF65-F5344CB8AC3E}">
+        <p14:creationId xmlns:p14="http://schemas.microsoft.com/office/powerpoint/2010/main" val="1306897910"/>
+      </p:ext>
+    </p:extLst>
+  </p:cSld>
+  <p:clrMapOvr>
+    <a:masterClrMapping/>
+  </p:clrMapOvr>
+  <p:timing>
+    <p:tnLst>
+      <p:par>
+        <p:cTn id="1" dur="indefinite" restart="never" nodeType="tmRoot"/>
+      </p:par>
+    </p:tnLst>
+  </p:timing>
+</p:sld>
+</file>
+
+<file path=ppt/slides/slide23.xml><?xml version="1.0" encoding="utf-8"?>
+<p:sld xmlns:a="http://schemas.openxmlformats.org/drawingml/2006/main" xmlns:r="http://schemas.openxmlformats.org/officeDocument/2006/relationships" xmlns:p="http://schemas.openxmlformats.org/presentationml/2006/main">
+  <p:cSld>
+    <p:spTree>
+      <p:nvGrpSpPr>
+        <p:cNvPr id="1" name=""/>
+        <p:cNvGrpSpPr/>
+        <p:nvPr/>
+      </p:nvGrpSpPr>
+      <p:grpSpPr>
+        <a:xfrm>
+          <a:off x="0" y="0"/>
+          <a:ext cx="0" cy="0"/>
+          <a:chOff x="0" y="0"/>
+          <a:chExt cx="0" cy="0"/>
+        </a:xfrm>
+      </p:grpSpPr>
+      <p:pic>
+        <p:nvPicPr>
+          <p:cNvPr id="5" name="그림 4"/>
+          <p:cNvPicPr>
+            <a:picLocks noChangeAspect="1"/>
+          </p:cNvPicPr>
+          <p:nvPr/>
+        </p:nvPicPr>
+        <p:blipFill>
+          <a:blip r:embed="rId2">
+            <a:extLst>
+              <a:ext uri="{28A0092B-C50C-407E-A947-70E740481C1C}">
+                <a14:useLocalDpi xmlns:a14="http://schemas.microsoft.com/office/drawing/2010/main" val="0"/>
+              </a:ext>
+            </a:extLst>
+          </a:blip>
+          <a:stretch>
+            <a:fillRect/>
+          </a:stretch>
+        </p:blipFill>
+        <p:spPr>
+          <a:xfrm>
+            <a:off x="0" y="0"/>
+            <a:ext cx="9144000" cy="6858000"/>
+          </a:xfrm>
+          <a:prstGeom prst="rect">
+            <a:avLst/>
+          </a:prstGeom>
+        </p:spPr>
+      </p:pic>
+      <p:sp>
+        <p:nvSpPr>
+          <p:cNvPr id="10" name="TextBox 9"/>
+          <p:cNvSpPr txBox="1"/>
+          <p:nvPr/>
+        </p:nvSpPr>
+        <p:spPr>
+          <a:xfrm>
+            <a:off x="395420" y="591005"/>
+            <a:ext cx="1390124" cy="738664"/>
+          </a:xfrm>
+          <a:prstGeom prst="rect">
+            <a:avLst/>
+          </a:prstGeom>
+          <a:noFill/>
+        </p:spPr>
+        <p:txBody>
+          <a:bodyPr wrap="none" rtlCol="0">
+            <a:spAutoFit/>
+          </a:bodyPr>
+          <a:lstStyle/>
+          <a:p>
+            <a:r>
+              <a:rPr lang="en-US" altLang="ko-KR" b="1" dirty="0" smtClean="0">
+                <a:solidFill>
+                  <a:schemeClr val="accent5">
+                    <a:lumMod val="60000"/>
+                    <a:lumOff val="40000"/>
+                  </a:schemeClr>
+                </a:solidFill>
+                <a:latin typeface="Noto Sans CJK SC Bold" pitchFamily="34" charset="-127"/>
+                <a:ea typeface="Noto Sans CJK SC Bold" pitchFamily="34" charset="-127"/>
+              </a:rPr>
+              <a:t>04</a:t>
+            </a:r>
+          </a:p>
+          <a:p>
+            <a:r>
+              <a:rPr lang="ko-KR" altLang="en-US" sz="2400" b="1" dirty="0" smtClean="0">
+                <a:solidFill>
+                  <a:schemeClr val="accent5">
+                    <a:lumMod val="60000"/>
+                    <a:lumOff val="40000"/>
+                  </a:schemeClr>
+                </a:solidFill>
+                <a:latin typeface="Noto Sans CJK SC Bold" pitchFamily="34" charset="-127"/>
+                <a:ea typeface="Noto Sans CJK SC Bold" pitchFamily="34" charset="-127"/>
+              </a:rPr>
+              <a:t>시연 화면</a:t>
+            </a:r>
+            <a:endParaRPr lang="ko-KR" altLang="en-US" sz="2400" b="1" dirty="0">
+              <a:solidFill>
+                <a:schemeClr val="accent5">
+                  <a:lumMod val="60000"/>
+                  <a:lumOff val="40000"/>
+                </a:schemeClr>
+              </a:solidFill>
+              <a:latin typeface="Noto Sans CJK SC Bold" pitchFamily="34" charset="-127"/>
+              <a:ea typeface="Noto Sans CJK SC Bold" pitchFamily="34" charset="-127"/>
+            </a:endParaRPr>
+          </a:p>
+        </p:txBody>
+      </p:sp>
+      <p:pic>
+        <p:nvPicPr>
+          <p:cNvPr id="3" name="그림 2"/>
+          <p:cNvPicPr>
+            <a:picLocks noChangeAspect="1"/>
+          </p:cNvPicPr>
+          <p:nvPr/>
+        </p:nvPicPr>
+        <p:blipFill>
+          <a:blip r:embed="rId3">
+            <a:extLst>
+              <a:ext uri="{28A0092B-C50C-407E-A947-70E740481C1C}">
+                <a14:useLocalDpi xmlns:a14="http://schemas.microsoft.com/office/drawing/2010/main" val="0"/>
+              </a:ext>
+            </a:extLst>
+          </a:blip>
+          <a:stretch>
+            <a:fillRect/>
+          </a:stretch>
+        </p:blipFill>
+        <p:spPr>
+          <a:xfrm>
+            <a:off x="2390775" y="0"/>
+            <a:ext cx="6753225" cy="6858000"/>
+          </a:xfrm>
+          <a:prstGeom prst="rect">
+            <a:avLst/>
+          </a:prstGeom>
+        </p:spPr>
+      </p:pic>
+      <p:sp>
+        <p:nvSpPr>
+          <p:cNvPr id="8" name="TextBox 7"/>
+          <p:cNvSpPr txBox="1"/>
+          <p:nvPr/>
+        </p:nvSpPr>
+        <p:spPr>
+          <a:xfrm>
+            <a:off x="4011160" y="626643"/>
+            <a:ext cx="1152160" cy="461665"/>
+          </a:xfrm>
+          <a:prstGeom prst="rect">
+            <a:avLst/>
+          </a:prstGeom>
+          <a:noFill/>
+        </p:spPr>
+        <p:txBody>
+          <a:bodyPr wrap="square" rtlCol="0">
+            <a:spAutoFit/>
+          </a:bodyPr>
+          <a:lstStyle/>
+          <a:p>
+            <a:pPr algn="ctr"/>
+            <a:r>
+              <a:rPr lang="ko-KR" altLang="en-US" sz="1200" dirty="0" smtClean="0">
+                <a:solidFill>
+                  <a:srgbClr val="00B0F0"/>
+                </a:solidFill>
+                <a:latin typeface="Noto Sans CJK SC Thin" pitchFamily="34" charset="-127"/>
+                <a:ea typeface="Noto Sans CJK SC Thin" pitchFamily="34" charset="-127"/>
+              </a:rPr>
+              <a:t>도서관 강좌</a:t>
+            </a:r>
+            <a:endParaRPr lang="en-US" altLang="ko-KR" sz="1200" dirty="0" smtClean="0">
+              <a:solidFill>
+                <a:srgbClr val="00B0F0"/>
+              </a:solidFill>
+              <a:latin typeface="Noto Sans CJK SC Thin" pitchFamily="34" charset="-127"/>
+              <a:ea typeface="Noto Sans CJK SC Thin" pitchFamily="34" charset="-127"/>
+            </a:endParaRPr>
+          </a:p>
+          <a:p>
+            <a:pPr algn="ctr"/>
+            <a:r>
+              <a:rPr lang="ko-KR" altLang="en-US" sz="1200" dirty="0" smtClean="0">
+                <a:solidFill>
+                  <a:srgbClr val="00B0F0"/>
+                </a:solidFill>
+                <a:latin typeface="Noto Sans CJK SC Thin" pitchFamily="34" charset="-127"/>
+                <a:ea typeface="Noto Sans CJK SC Thin" pitchFamily="34" charset="-127"/>
+              </a:rPr>
+              <a:t>검색 화면</a:t>
+            </a:r>
+            <a:endParaRPr lang="en-US" altLang="ko-KR" sz="1200" dirty="0" smtClean="0">
+              <a:solidFill>
+                <a:srgbClr val="00B0F0"/>
+              </a:solidFill>
+              <a:latin typeface="Noto Sans CJK SC Thin" pitchFamily="34" charset="-127"/>
+              <a:ea typeface="Noto Sans CJK SC Thin" pitchFamily="34" charset="-127"/>
+            </a:endParaRPr>
+          </a:p>
+        </p:txBody>
+      </p:sp>
+      <p:pic>
+        <p:nvPicPr>
+          <p:cNvPr id="3074" name="Picture 2"/>
+          <p:cNvPicPr>
+            <a:picLocks noChangeAspect="1" noChangeArrowheads="1"/>
+          </p:cNvPicPr>
+          <p:nvPr/>
+        </p:nvPicPr>
+        <p:blipFill>
+          <a:blip r:embed="rId4" cstate="print">
+            <a:extLst>
+              <a:ext uri="{28A0092B-C50C-407E-A947-70E740481C1C}">
+                <a14:useLocalDpi xmlns:a14="http://schemas.microsoft.com/office/drawing/2010/main" val="0"/>
+              </a:ext>
+            </a:extLst>
+          </a:blip>
+          <a:srcRect/>
+          <a:stretch>
+            <a:fillRect/>
+          </a:stretch>
+        </p:blipFill>
+        <p:spPr bwMode="auto">
+          <a:xfrm>
+            <a:off x="4091196" y="1437104"/>
+            <a:ext cx="2963953" cy="2526059"/>
+          </a:xfrm>
+          <a:prstGeom prst="rect">
+            <a:avLst/>
+          </a:prstGeom>
+          <a:noFill/>
+          <a:ln>
+            <a:noFill/>
+          </a:ln>
+          <a:effectLst/>
+          <a:extLst>
+            <a:ext uri="{909E8E84-426E-40DD-AFC4-6F175D3DCCD1}">
+              <a14:hiddenFill xmlns:a14="http://schemas.microsoft.com/office/drawing/2010/main">
+                <a:solidFill>
+                  <a:schemeClr val="accent1"/>
+                </a:solidFill>
+              </a14:hiddenFill>
+            </a:ext>
+            <a:ext uri="{91240B29-F687-4F45-9708-019B960494DF}">
+              <a14:hiddenLine xmlns:a14="http://schemas.microsoft.com/office/drawing/2010/main" w="9525">
+                <a:solidFill>
+                  <a:schemeClr val="tx1"/>
+                </a:solidFill>
+                <a:miter lim="800000"/>
+                <a:headEnd/>
+                <a:tailEnd/>
+              </a14:hiddenLine>
+            </a:ext>
+            <a:ext uri="{AF507438-7753-43E0-B8FC-AC1667EBCBE1}">
+              <a14:hiddenEffects xmlns:a14="http://schemas.microsoft.com/office/drawing/2010/main">
+                <a:effectLst>
+                  <a:outerShdw dist="35921" dir="2700000" algn="ctr" rotWithShape="0">
+                    <a:schemeClr val="bg2"/>
+                  </a:outerShdw>
+                </a:effectLst>
+              </a14:hiddenEffects>
+            </a:ext>
+          </a:extLst>
+        </p:spPr>
+      </p:pic>
+    </p:spTree>
+    <p:extLst>
+      <p:ext uri="{BB962C8B-B14F-4D97-AF65-F5344CB8AC3E}">
+        <p14:creationId xmlns:p14="http://schemas.microsoft.com/office/powerpoint/2010/main" val="1760499956"/>
+      </p:ext>
+    </p:extLst>
+  </p:cSld>
+  <p:clrMapOvr>
+    <a:masterClrMapping/>
+  </p:clrMapOvr>
+  <p:timing>
+    <p:tnLst>
+      <p:par>
+        <p:cTn id="1" dur="indefinite" restart="never" nodeType="tmRoot"/>
+      </p:par>
+    </p:tnLst>
+  </p:timing>
+</p:sld>
+</file>
+
+<file path=ppt/slides/slide24.xml><?xml version="1.0" encoding="utf-8"?>
+<p:sld xmlns:a="http://schemas.openxmlformats.org/drawingml/2006/main" xmlns:r="http://schemas.openxmlformats.org/officeDocument/2006/relationships" xmlns:p="http://schemas.openxmlformats.org/presentationml/2006/main">
+  <p:cSld>
+    <p:spTree>
+      <p:nvGrpSpPr>
+        <p:cNvPr id="1" name=""/>
+        <p:cNvGrpSpPr/>
+        <p:nvPr/>
+      </p:nvGrpSpPr>
+      <p:grpSpPr>
+        <a:xfrm>
+          <a:off x="0" y="0"/>
+          <a:ext cx="0" cy="0"/>
+          <a:chOff x="0" y="0"/>
+          <a:chExt cx="0" cy="0"/>
+        </a:xfrm>
+      </p:grpSpPr>
+      <p:pic>
+        <p:nvPicPr>
+          <p:cNvPr id="5" name="그림 4"/>
+          <p:cNvPicPr>
+            <a:picLocks noChangeAspect="1"/>
+          </p:cNvPicPr>
+          <p:nvPr/>
+        </p:nvPicPr>
+        <p:blipFill>
+          <a:blip r:embed="rId2">
+            <a:extLst>
+              <a:ext uri="{28A0092B-C50C-407E-A947-70E740481C1C}">
+                <a14:useLocalDpi xmlns:a14="http://schemas.microsoft.com/office/drawing/2010/main" val="0"/>
+              </a:ext>
+            </a:extLst>
+          </a:blip>
+          <a:stretch>
+            <a:fillRect/>
+          </a:stretch>
+        </p:blipFill>
+        <p:spPr>
+          <a:xfrm>
+            <a:off x="0" y="0"/>
+            <a:ext cx="9144000" cy="6858000"/>
+          </a:xfrm>
+          <a:prstGeom prst="rect">
+            <a:avLst/>
+          </a:prstGeom>
+        </p:spPr>
+      </p:pic>
+      <p:sp>
+        <p:nvSpPr>
+          <p:cNvPr id="6" name="TextBox 5"/>
+          <p:cNvSpPr txBox="1"/>
+          <p:nvPr/>
+        </p:nvSpPr>
+        <p:spPr>
+          <a:xfrm>
+            <a:off x="4009926" y="2170635"/>
+            <a:ext cx="2855269" cy="1323439"/>
+          </a:xfrm>
+          <a:prstGeom prst="rect">
+            <a:avLst/>
+          </a:prstGeom>
+          <a:noFill/>
+        </p:spPr>
+        <p:txBody>
+          <a:bodyPr wrap="none" rtlCol="0">
+            <a:spAutoFit/>
+          </a:bodyPr>
+          <a:lstStyle/>
+          <a:p>
+            <a:pPr algn="ctr"/>
+            <a:r>
+              <a:rPr lang="en-US" altLang="ko-KR" sz="8000" dirty="0" smtClean="0">
+                <a:solidFill>
+                  <a:schemeClr val="accent5">
+                    <a:lumMod val="60000"/>
+                    <a:lumOff val="40000"/>
+                  </a:schemeClr>
+                </a:solidFill>
+                <a:latin typeface="Noto Sans CJK SC Bold" pitchFamily="34" charset="-127"/>
+                <a:ea typeface="Noto Sans CJK SC Bold" pitchFamily="34" charset="-127"/>
+              </a:rPr>
+              <a:t>Q &amp; A</a:t>
+            </a:r>
+          </a:p>
+        </p:txBody>
+      </p:sp>
+      <p:sp>
+        <p:nvSpPr>
+          <p:cNvPr id="11" name="TextBox 10"/>
+          <p:cNvSpPr txBox="1"/>
+          <p:nvPr/>
+        </p:nvSpPr>
+        <p:spPr>
+          <a:xfrm>
+            <a:off x="395420" y="591005"/>
+            <a:ext cx="846707" cy="738664"/>
+          </a:xfrm>
+          <a:prstGeom prst="rect">
+            <a:avLst/>
+          </a:prstGeom>
+          <a:noFill/>
+        </p:spPr>
+        <p:txBody>
+          <a:bodyPr wrap="none" rtlCol="0">
+            <a:spAutoFit/>
+          </a:bodyPr>
+          <a:lstStyle/>
+          <a:p>
+            <a:r>
+              <a:rPr lang="en-US" altLang="ko-KR" dirty="0" smtClean="0">
+                <a:solidFill>
+                  <a:schemeClr val="accent5">
+                    <a:lumMod val="60000"/>
+                    <a:lumOff val="40000"/>
+                  </a:schemeClr>
+                </a:solidFill>
+                <a:latin typeface="Noto Sans CJK SC Bold" pitchFamily="34" charset="-127"/>
+                <a:ea typeface="Noto Sans CJK SC Bold" pitchFamily="34" charset="-127"/>
+              </a:rPr>
+              <a:t>05</a:t>
+            </a:r>
           </a:p>
           <a:p>
             <a:r>
@@ -8803,7 +9656,7 @@
 </p:sld>
 </file>
 
-<file path=ppt/slides/slide21.xml><?xml version="1.0" encoding="utf-8"?>
+<file path=ppt/slides/slide25.xml><?xml version="1.0" encoding="utf-8"?>
 <p:sld xmlns:a="http://schemas.openxmlformats.org/drawingml/2006/main" xmlns:r="http://schemas.openxmlformats.org/officeDocument/2006/relationships" xmlns:p="http://schemas.openxmlformats.org/presentationml/2006/main">
   <p:cSld>
     <p:spTree>
@@ -9745,14 +10598,6 @@
               </a:rPr>
               <a:t>정보 확인하기가 쉽지 않음</a:t>
             </a:r>
-            <a:endParaRPr lang="ko-KR" altLang="en-US" sz="1600" b="1" dirty="0">
-              <a:solidFill>
-                <a:schemeClr val="accent5">
-                  <a:lumMod val="60000"/>
-                  <a:lumOff val="40000"/>
-                </a:schemeClr>
-              </a:solidFill>
-            </a:endParaRPr>
           </a:p>
         </p:txBody>
       </p:sp>
@@ -11194,16 +12039,6 @@
               </a:rPr>
               <a:t>02</a:t>
             </a:r>
-            <a:endParaRPr lang="en-US" altLang="ko-KR" dirty="0" smtClean="0">
-              <a:solidFill>
-                <a:schemeClr val="accent5">
-                  <a:lumMod val="60000"/>
-                  <a:lumOff val="40000"/>
-                </a:schemeClr>
-              </a:solidFill>
-              <a:latin typeface="Noto Sans CJK SC Bold" pitchFamily="34" charset="-127"/>
-              <a:ea typeface="Noto Sans CJK SC Bold" pitchFamily="34" charset="-127"/>
-            </a:endParaRPr>
           </a:p>
           <a:p>
             <a:r>
@@ -11257,16 +12092,6 @@
               </a:rPr>
               <a:t>조</a:t>
             </a:r>
-            <a:endParaRPr lang="ko-KR" altLang="en-US" sz="2400" dirty="0">
-              <a:solidFill>
-                <a:schemeClr val="accent5">
-                  <a:lumMod val="60000"/>
-                  <a:lumOff val="40000"/>
-                </a:schemeClr>
-              </a:solidFill>
-              <a:latin typeface="Noto Sans CJK SC Bold" pitchFamily="34" charset="-127"/>
-              <a:ea typeface="Noto Sans CJK SC Bold" pitchFamily="34" charset="-127"/>
-            </a:endParaRPr>
           </a:p>
         </p:txBody>
       </p:sp>
@@ -11372,16 +12197,6 @@
               </a:rPr>
               <a:t>02</a:t>
             </a:r>
-            <a:endParaRPr lang="en-US" altLang="ko-KR" dirty="0" smtClean="0">
-              <a:solidFill>
-                <a:schemeClr val="accent5">
-                  <a:lumMod val="60000"/>
-                  <a:lumOff val="40000"/>
-                </a:schemeClr>
-              </a:solidFill>
-              <a:latin typeface="Noto Sans CJK SC Bold" pitchFamily="34" charset="-127"/>
-              <a:ea typeface="Noto Sans CJK SC Bold" pitchFamily="34" charset="-127"/>
-            </a:endParaRPr>
           </a:p>
           <a:p>
             <a:r>
@@ -11435,16 +12250,6 @@
               </a:rPr>
               <a:t>조</a:t>
             </a:r>
-            <a:endParaRPr lang="ko-KR" altLang="en-US" sz="2400" dirty="0">
-              <a:solidFill>
-                <a:schemeClr val="accent5">
-                  <a:lumMod val="60000"/>
-                  <a:lumOff val="40000"/>
-                </a:schemeClr>
-              </a:solidFill>
-              <a:latin typeface="Noto Sans CJK SC Bold" pitchFamily="34" charset="-127"/>
-              <a:ea typeface="Noto Sans CJK SC Bold" pitchFamily="34" charset="-127"/>
-            </a:endParaRPr>
           </a:p>
         </p:txBody>
       </p:sp>
@@ -11479,17 +12284,7 @@
                 <a:latin typeface="Noto Sans CJK SC Thin" pitchFamily="34" charset="-127"/>
                 <a:ea typeface="Noto Sans CJK SC Thin" pitchFamily="34" charset="-127"/>
               </a:rPr>
-              <a:t>시스템</a:t>
-            </a:r>
-            <a:r>
-              <a:rPr lang="ko-KR" altLang="en-US" sz="2400" b="1" dirty="0" smtClean="0">
-                <a:solidFill>
-                  <a:srgbClr val="00B0F0"/>
-                </a:solidFill>
-                <a:latin typeface="Noto Sans CJK SC Thin" pitchFamily="34" charset="-127"/>
-                <a:ea typeface="Noto Sans CJK SC Thin" pitchFamily="34" charset="-127"/>
-              </a:rPr>
-              <a:t> 구조</a:t>
+              <a:t>시스템 구조</a:t>
             </a:r>
             <a:endParaRPr lang="en-US" altLang="ko-KR" sz="2400" b="1" dirty="0" smtClean="0">
               <a:solidFill>
@@ -11707,16 +12502,6 @@
               </a:rPr>
               <a:t>02</a:t>
             </a:r>
-            <a:endParaRPr lang="en-US" altLang="ko-KR" dirty="0" smtClean="0">
-              <a:solidFill>
-                <a:schemeClr val="accent5">
-                  <a:lumMod val="60000"/>
-                  <a:lumOff val="40000"/>
-                </a:schemeClr>
-              </a:solidFill>
-              <a:latin typeface="Noto Sans CJK SC Bold" pitchFamily="34" charset="-127"/>
-              <a:ea typeface="Noto Sans CJK SC Bold" pitchFamily="34" charset="-127"/>
-            </a:endParaRPr>
           </a:p>
           <a:p>
             <a:r>
@@ -11770,16 +12555,6 @@
               </a:rPr>
               <a:t>조</a:t>
             </a:r>
-            <a:endParaRPr lang="ko-KR" altLang="en-US" sz="2400" dirty="0">
-              <a:solidFill>
-                <a:schemeClr val="accent5">
-                  <a:lumMod val="60000"/>
-                  <a:lumOff val="40000"/>
-                </a:schemeClr>
-              </a:solidFill>
-              <a:latin typeface="Noto Sans CJK SC Bold" pitchFamily="34" charset="-127"/>
-              <a:ea typeface="Noto Sans CJK SC Bold" pitchFamily="34" charset="-127"/>
-            </a:endParaRPr>
           </a:p>
         </p:txBody>
       </p:sp>
@@ -11814,17 +12589,7 @@
                 <a:latin typeface="Noto Sans CJK SC Thin" pitchFamily="34" charset="-127"/>
                 <a:ea typeface="Noto Sans CJK SC Thin" pitchFamily="34" charset="-127"/>
               </a:rPr>
-              <a:t>시스템</a:t>
-            </a:r>
-            <a:r>
-              <a:rPr lang="ko-KR" altLang="en-US" sz="2400" b="1" dirty="0" smtClean="0">
-                <a:solidFill>
-                  <a:srgbClr val="00B0F0"/>
-                </a:solidFill>
-                <a:latin typeface="Noto Sans CJK SC Thin" pitchFamily="34" charset="-127"/>
-                <a:ea typeface="Noto Sans CJK SC Thin" pitchFamily="34" charset="-127"/>
-              </a:rPr>
-              <a:t> 구조</a:t>
+              <a:t>시스템 구조</a:t>
             </a:r>
             <a:endParaRPr lang="en-US" altLang="ko-KR" sz="2400" b="1" dirty="0" smtClean="0">
               <a:solidFill>
@@ -11969,39 +12734,6 @@
                 </a:schemeClr>
               </a:solidFill>
             </a:endParaRPr>
-          </a:p>
-        </p:txBody>
-      </p:sp>
-      <p:sp>
-        <p:nvSpPr>
-          <p:cNvPr id="10" name="직사각형 9"/>
-          <p:cNvSpPr/>
-          <p:nvPr/>
-        </p:nvSpPr>
-        <p:spPr>
-          <a:xfrm>
-            <a:off x="3843564" y="1808379"/>
-            <a:ext cx="1040670" cy="369332"/>
-          </a:xfrm>
-          <a:prstGeom prst="rect">
-            <a:avLst/>
-          </a:prstGeom>
-        </p:spPr>
-        <p:txBody>
-          <a:bodyPr wrap="none">
-            <a:spAutoFit/>
-          </a:bodyPr>
-          <a:lstStyle/>
-          <a:p>
-            <a:r>
-              <a:rPr lang="ko-KR" altLang="en-US" dirty="0">
-                <a:solidFill>
-                  <a:srgbClr val="00B0F0"/>
-                </a:solidFill>
-              </a:rPr>
-              <a:t>입력 값 </a:t>
-            </a:r>
-            <a:endParaRPr lang="ko-KR" altLang="en-US" dirty="0"/>
           </a:p>
         </p:txBody>
       </p:sp>
@@ -12305,13 +13037,39 @@
               </a:rPr>
               <a:t>휴무 정보</a:t>
             </a:r>
-            <a:endParaRPr lang="ko-KR" altLang="en-US" sz="1600" dirty="0">
-              <a:solidFill>
-                <a:schemeClr val="accent5">
-                  <a:lumMod val="75000"/>
-                </a:schemeClr>
-              </a:solidFill>
-            </a:endParaRPr>
+          </a:p>
+        </p:txBody>
+      </p:sp>
+      <p:sp>
+        <p:nvSpPr>
+          <p:cNvPr id="12" name="직사각형 11"/>
+          <p:cNvSpPr/>
+          <p:nvPr/>
+        </p:nvSpPr>
+        <p:spPr>
+          <a:xfrm>
+            <a:off x="3707903" y="1808379"/>
+            <a:ext cx="1189749" cy="369332"/>
+          </a:xfrm>
+          <a:prstGeom prst="rect">
+            <a:avLst/>
+          </a:prstGeom>
+        </p:spPr>
+        <p:txBody>
+          <a:bodyPr wrap="none">
+            <a:spAutoFit/>
+          </a:bodyPr>
+          <a:lstStyle/>
+          <a:p>
+            <a:r>
+              <a:rPr lang="ko-KR" altLang="en-US" dirty="0" smtClean="0">
+                <a:solidFill>
+                  <a:srgbClr val="00B0F0"/>
+                </a:solidFill>
+              </a:rPr>
+              <a:t>요청 변수</a:t>
+            </a:r>
+            <a:endParaRPr lang="ko-KR" altLang="en-US" dirty="0"/>
           </a:p>
         </p:txBody>
       </p:sp>
